--- a/Final_slides/E12.pptx
+++ b/Final_slides/E12.pptx
@@ -198,7 +198,7 @@
           <a:p>
             <a:fld id="{EEEB97CA-3A7E-45F1-AF1F-A353DB1BC674}" type="datetimeFigureOut">
               <a:rPr lang="en-GB" smtClean="0"/>
-              <a:t>01/01/2024</a:t>
+              <a:t>02/01/2024</a:t>
             </a:fld>
             <a:endParaRPr lang="en-GB"/>
           </a:p>
@@ -696,7 +696,7 @@
           <a:p>
             <a:fld id="{FC0F5986-B409-4DD7-A776-A88461C99725}" type="datetimeFigureOut">
               <a:rPr lang="en-GB" smtClean="0"/>
-              <a:t>01/01/2024</a:t>
+              <a:t>02/01/2024</a:t>
             </a:fld>
             <a:endParaRPr lang="en-GB"/>
           </a:p>
@@ -894,7 +894,7 @@
           <a:p>
             <a:fld id="{FC0F5986-B409-4DD7-A776-A88461C99725}" type="datetimeFigureOut">
               <a:rPr lang="en-GB" smtClean="0"/>
-              <a:t>01/01/2024</a:t>
+              <a:t>02/01/2024</a:t>
             </a:fld>
             <a:endParaRPr lang="en-GB"/>
           </a:p>
@@ -1102,7 +1102,7 @@
           <a:p>
             <a:fld id="{FC0F5986-B409-4DD7-A776-A88461C99725}" type="datetimeFigureOut">
               <a:rPr lang="en-GB" smtClean="0"/>
-              <a:t>01/01/2024</a:t>
+              <a:t>02/01/2024</a:t>
             </a:fld>
             <a:endParaRPr lang="en-GB"/>
           </a:p>
@@ -1300,7 +1300,7 @@
           <a:p>
             <a:fld id="{FC0F5986-B409-4DD7-A776-A88461C99725}" type="datetimeFigureOut">
               <a:rPr lang="en-GB" smtClean="0"/>
-              <a:t>01/01/2024</a:t>
+              <a:t>02/01/2024</a:t>
             </a:fld>
             <a:endParaRPr lang="en-GB"/>
           </a:p>
@@ -1575,7 +1575,7 @@
           <a:p>
             <a:fld id="{FC0F5986-B409-4DD7-A776-A88461C99725}" type="datetimeFigureOut">
               <a:rPr lang="en-GB" smtClean="0"/>
-              <a:t>01/01/2024</a:t>
+              <a:t>02/01/2024</a:t>
             </a:fld>
             <a:endParaRPr lang="en-GB"/>
           </a:p>
@@ -1840,7 +1840,7 @@
           <a:p>
             <a:fld id="{FC0F5986-B409-4DD7-A776-A88461C99725}" type="datetimeFigureOut">
               <a:rPr lang="en-GB" smtClean="0"/>
-              <a:t>01/01/2024</a:t>
+              <a:t>02/01/2024</a:t>
             </a:fld>
             <a:endParaRPr lang="en-GB"/>
           </a:p>
@@ -2252,7 +2252,7 @@
           <a:p>
             <a:fld id="{FC0F5986-B409-4DD7-A776-A88461C99725}" type="datetimeFigureOut">
               <a:rPr lang="en-GB" smtClean="0"/>
-              <a:t>01/01/2024</a:t>
+              <a:t>02/01/2024</a:t>
             </a:fld>
             <a:endParaRPr lang="en-GB"/>
           </a:p>
@@ -2393,7 +2393,7 @@
           <a:p>
             <a:fld id="{FC0F5986-B409-4DD7-A776-A88461C99725}" type="datetimeFigureOut">
               <a:rPr lang="en-GB" smtClean="0"/>
-              <a:t>01/01/2024</a:t>
+              <a:t>02/01/2024</a:t>
             </a:fld>
             <a:endParaRPr lang="en-GB"/>
           </a:p>
@@ -2506,7 +2506,7 @@
           <a:p>
             <a:fld id="{FC0F5986-B409-4DD7-A776-A88461C99725}" type="datetimeFigureOut">
               <a:rPr lang="en-GB" smtClean="0"/>
-              <a:t>01/01/2024</a:t>
+              <a:t>02/01/2024</a:t>
             </a:fld>
             <a:endParaRPr lang="en-GB"/>
           </a:p>
@@ -2817,7 +2817,7 @@
           <a:p>
             <a:fld id="{FC0F5986-B409-4DD7-A776-A88461C99725}" type="datetimeFigureOut">
               <a:rPr lang="en-GB" smtClean="0"/>
-              <a:t>01/01/2024</a:t>
+              <a:t>02/01/2024</a:t>
             </a:fld>
             <a:endParaRPr lang="en-GB"/>
           </a:p>
@@ -3105,7 +3105,7 @@
           <a:p>
             <a:fld id="{FC0F5986-B409-4DD7-A776-A88461C99725}" type="datetimeFigureOut">
               <a:rPr lang="en-GB" smtClean="0"/>
-              <a:t>01/01/2024</a:t>
+              <a:t>02/01/2024</a:t>
             </a:fld>
             <a:endParaRPr lang="en-GB"/>
           </a:p>
@@ -3349,7 +3349,7 @@
           <a:p>
             <a:fld id="{FC0F5986-B409-4DD7-A776-A88461C99725}" type="datetimeFigureOut">
               <a:rPr lang="en-GB" smtClean="0"/>
-              <a:t>01/01/2024</a:t>
+              <a:t>02/01/2024</a:t>
             </a:fld>
             <a:endParaRPr lang="en-GB"/>
           </a:p>
@@ -3789,7 +3789,7 @@
           <a:p>
             <a:r>
               <a:rPr lang="en-GB" dirty="0"/>
-              <a:t>Exercise 12</a:t>
+              <a:t>Exercise E12</a:t>
             </a:r>
           </a:p>
         </p:txBody>
@@ -3881,14 +3881,14 @@
           <a:p>
             <a:r>
               <a:rPr lang="en-GB"/>
-              <a:t>Exercise 12</a:t>
+              <a:t>Exercise E12</a:t>
             </a:r>
             <a:endParaRPr lang="en-GB" dirty="0"/>
           </a:p>
         </p:txBody>
       </p:sp>
-      <mc:AlternateContent xmlns:mc="http://schemas.openxmlformats.org/markup-compatibility/2006">
-        <mc:Choice xmlns:a14="http://schemas.microsoft.com/office/drawing/2010/main" Requires="a14">
+      <mc:AlternateContent xmlns:mc="http://schemas.openxmlformats.org/markup-compatibility/2006" xmlns:a14="http://schemas.microsoft.com/office/drawing/2010/main">
+        <mc:Choice Requires="a14">
           <p:sp>
             <p:nvSpPr>
               <p:cNvPr id="4" name="Content Placeholder 3">
@@ -4652,7 +4652,7 @@
             </p:txBody>
           </p:sp>
         </mc:Choice>
-        <mc:Fallback>
+        <mc:Fallback xmlns="">
           <p:sp>
             <p:nvSpPr>
               <p:cNvPr id="4" name="Content Placeholder 3">
@@ -4776,8 +4776,8 @@
           </a:fontRef>
         </p:style>
       </p:cxnSp>
-      <mc:AlternateContent xmlns:mc="http://schemas.openxmlformats.org/markup-compatibility/2006">
-        <mc:Choice xmlns:a14="http://schemas.microsoft.com/office/drawing/2010/main" Requires="a14">
+      <mc:AlternateContent xmlns:mc="http://schemas.openxmlformats.org/markup-compatibility/2006" xmlns:a14="http://schemas.microsoft.com/office/drawing/2010/main">
+        <mc:Choice Requires="a14">
           <p:sp>
             <p:nvSpPr>
               <p:cNvPr id="8" name="TextBox 7">
@@ -4928,7 +4928,7 @@
             </p:txBody>
           </p:sp>
         </mc:Choice>
-        <mc:Fallback>
+        <mc:Fallback xmlns="">
           <p:sp>
             <p:nvSpPr>
               <p:cNvPr id="8" name="TextBox 7">
